--- a/research/Thomson Reuters GRA/Documentation/Project Presentation.pptx
+++ b/research/Thomson Reuters GRA/Documentation/Project Presentation.pptx
@@ -1273,11 +1273,7 @@
           <a:p>
             <a:r>
               <a:rPr lang="en-US" dirty="0" smtClean="0"/>
-              <a:t>Advancements in identifyin</a:t>
-            </a:r>
-            <a:r>
-              <a:rPr lang="en-US" dirty="0" smtClean="0"/>
-              <a:t>g an SRL’s objectives and needs based on their behaviors</a:t>
+              <a:t>Advancements in identifying an SRL’s objectives and needs based on their behaviors</a:t>
             </a:r>
             <a:endParaRPr lang="en-US" dirty="0"/>
           </a:p>
